--- a/assets/nlp_figs/nlp_figs_ppt.pptx
+++ b/assets/nlp_figs/nlp_figs_ppt.pptx
@@ -280,7 +280,7 @@
           <a:p>
             <a:fld id="{511627C6-16D5-AD4E-8B09-11BFF46EB38E}" type="datetimeFigureOut">
               <a:rPr kumimoji="1" lang="ko-Kore-KR" altLang="en-US" smtClean="0"/>
-              <a:t>11/19/23</a:t>
+              <a:t>11/20/23</a:t>
             </a:fld>
             <a:endParaRPr kumimoji="1" lang="ko-Kore-KR" altLang="en-US"/>
           </a:p>
@@ -480,7 +480,7 @@
           <a:p>
             <a:fld id="{511627C6-16D5-AD4E-8B09-11BFF46EB38E}" type="datetimeFigureOut">
               <a:rPr kumimoji="1" lang="ko-Kore-KR" altLang="en-US" smtClean="0"/>
-              <a:t>11/19/23</a:t>
+              <a:t>11/20/23</a:t>
             </a:fld>
             <a:endParaRPr kumimoji="1" lang="ko-Kore-KR" altLang="en-US"/>
           </a:p>
@@ -690,7 +690,7 @@
           <a:p>
             <a:fld id="{511627C6-16D5-AD4E-8B09-11BFF46EB38E}" type="datetimeFigureOut">
               <a:rPr kumimoji="1" lang="ko-Kore-KR" altLang="en-US" smtClean="0"/>
-              <a:t>11/19/23</a:t>
+              <a:t>11/20/23</a:t>
             </a:fld>
             <a:endParaRPr kumimoji="1" lang="ko-Kore-KR" altLang="en-US"/>
           </a:p>
@@ -890,7 +890,7 @@
           <a:p>
             <a:fld id="{511627C6-16D5-AD4E-8B09-11BFF46EB38E}" type="datetimeFigureOut">
               <a:rPr kumimoji="1" lang="ko-Kore-KR" altLang="en-US" smtClean="0"/>
-              <a:t>11/19/23</a:t>
+              <a:t>11/20/23</a:t>
             </a:fld>
             <a:endParaRPr kumimoji="1" lang="ko-Kore-KR" altLang="en-US"/>
           </a:p>
@@ -1166,7 +1166,7 @@
           <a:p>
             <a:fld id="{511627C6-16D5-AD4E-8B09-11BFF46EB38E}" type="datetimeFigureOut">
               <a:rPr kumimoji="1" lang="ko-Kore-KR" altLang="en-US" smtClean="0"/>
-              <a:t>11/19/23</a:t>
+              <a:t>11/20/23</a:t>
             </a:fld>
             <a:endParaRPr kumimoji="1" lang="ko-Kore-KR" altLang="en-US"/>
           </a:p>
@@ -1434,7 +1434,7 @@
           <a:p>
             <a:fld id="{511627C6-16D5-AD4E-8B09-11BFF46EB38E}" type="datetimeFigureOut">
               <a:rPr kumimoji="1" lang="ko-Kore-KR" altLang="en-US" smtClean="0"/>
-              <a:t>11/19/23</a:t>
+              <a:t>11/20/23</a:t>
             </a:fld>
             <a:endParaRPr kumimoji="1" lang="ko-Kore-KR" altLang="en-US"/>
           </a:p>
@@ -1849,7 +1849,7 @@
           <a:p>
             <a:fld id="{511627C6-16D5-AD4E-8B09-11BFF46EB38E}" type="datetimeFigureOut">
               <a:rPr kumimoji="1" lang="ko-Kore-KR" altLang="en-US" smtClean="0"/>
-              <a:t>11/19/23</a:t>
+              <a:t>11/20/23</a:t>
             </a:fld>
             <a:endParaRPr kumimoji="1" lang="ko-Kore-KR" altLang="en-US"/>
           </a:p>
@@ -1991,7 +1991,7 @@
           <a:p>
             <a:fld id="{511627C6-16D5-AD4E-8B09-11BFF46EB38E}" type="datetimeFigureOut">
               <a:rPr kumimoji="1" lang="ko-Kore-KR" altLang="en-US" smtClean="0"/>
-              <a:t>11/19/23</a:t>
+              <a:t>11/20/23</a:t>
             </a:fld>
             <a:endParaRPr kumimoji="1" lang="ko-Kore-KR" altLang="en-US"/>
           </a:p>
@@ -2104,7 +2104,7 @@
           <a:p>
             <a:fld id="{511627C6-16D5-AD4E-8B09-11BFF46EB38E}" type="datetimeFigureOut">
               <a:rPr kumimoji="1" lang="ko-Kore-KR" altLang="en-US" smtClean="0"/>
-              <a:t>11/19/23</a:t>
+              <a:t>11/20/23</a:t>
             </a:fld>
             <a:endParaRPr kumimoji="1" lang="ko-Kore-KR" altLang="en-US"/>
           </a:p>
@@ -2417,7 +2417,7 @@
           <a:p>
             <a:fld id="{511627C6-16D5-AD4E-8B09-11BFF46EB38E}" type="datetimeFigureOut">
               <a:rPr kumimoji="1" lang="ko-Kore-KR" altLang="en-US" smtClean="0"/>
-              <a:t>11/19/23</a:t>
+              <a:t>11/20/23</a:t>
             </a:fld>
             <a:endParaRPr kumimoji="1" lang="ko-Kore-KR" altLang="en-US"/>
           </a:p>
@@ -2706,7 +2706,7 @@
           <a:p>
             <a:fld id="{511627C6-16D5-AD4E-8B09-11BFF46EB38E}" type="datetimeFigureOut">
               <a:rPr kumimoji="1" lang="ko-Kore-KR" altLang="en-US" smtClean="0"/>
-              <a:t>11/19/23</a:t>
+              <a:t>11/20/23</a:t>
             </a:fld>
             <a:endParaRPr kumimoji="1" lang="ko-Kore-KR" altLang="en-US"/>
           </a:p>
@@ -2949,7 +2949,7 @@
           <a:p>
             <a:fld id="{511627C6-16D5-AD4E-8B09-11BFF46EB38E}" type="datetimeFigureOut">
               <a:rPr kumimoji="1" lang="ko-Kore-KR" altLang="en-US" smtClean="0"/>
-              <a:t>11/19/23</a:t>
+              <a:t>11/20/23</a:t>
             </a:fld>
             <a:endParaRPr kumimoji="1" lang="ko-Kore-KR" altLang="en-US"/>
           </a:p>
@@ -20319,8 +20319,8 @@
             <a:chExt cx="2680445" cy="331694"/>
           </a:xfrm>
         </p:grpSpPr>
-        <mc:AlternateContent xmlns:mc="http://schemas.openxmlformats.org/markup-compatibility/2006">
-          <mc:Choice xmlns:a14="http://schemas.microsoft.com/office/drawing/2010/main" Requires="a14">
+        <mc:AlternateContent xmlns:mc="http://schemas.openxmlformats.org/markup-compatibility/2006" xmlns:a14="http://schemas.microsoft.com/office/drawing/2010/main">
+          <mc:Choice Requires="a14">
             <p:sp>
               <p:nvSpPr>
                 <p:cNvPr id="4" name="모서리가 둥근 직사각형 3">
@@ -20418,7 +20418,7 @@
               </p:txBody>
             </p:sp>
           </mc:Choice>
-          <mc:Fallback>
+          <mc:Fallback xmlns="">
             <p:sp>
               <p:nvSpPr>
                 <p:cNvPr id="4" name="모서리가 둥근 직사각형 3">
@@ -20463,8 +20463,8 @@
             </p:sp>
           </mc:Fallback>
         </mc:AlternateContent>
-        <mc:AlternateContent xmlns:mc="http://schemas.openxmlformats.org/markup-compatibility/2006">
-          <mc:Choice xmlns:a14="http://schemas.microsoft.com/office/drawing/2010/main" Requires="a14">
+        <mc:AlternateContent xmlns:mc="http://schemas.openxmlformats.org/markup-compatibility/2006" xmlns:a14="http://schemas.microsoft.com/office/drawing/2010/main">
+          <mc:Choice Requires="a14">
             <p:sp>
               <p:nvSpPr>
                 <p:cNvPr id="6" name="모서리가 둥근 직사각형 5">
@@ -20562,7 +20562,7 @@
               </p:txBody>
             </p:sp>
           </mc:Choice>
-          <mc:Fallback>
+          <mc:Fallback xmlns="">
             <p:sp>
               <p:nvSpPr>
                 <p:cNvPr id="6" name="모서리가 둥근 직사각형 5">
@@ -20607,8 +20607,8 @@
             </p:sp>
           </mc:Fallback>
         </mc:AlternateContent>
-        <mc:AlternateContent xmlns:mc="http://schemas.openxmlformats.org/markup-compatibility/2006">
-          <mc:Choice xmlns:a14="http://schemas.microsoft.com/office/drawing/2010/main" Requires="a14">
+        <mc:AlternateContent xmlns:mc="http://schemas.openxmlformats.org/markup-compatibility/2006" xmlns:a14="http://schemas.microsoft.com/office/drawing/2010/main">
+          <mc:Choice Requires="a14">
             <p:sp>
               <p:nvSpPr>
                 <p:cNvPr id="8" name="모서리가 둥근 직사각형 7">
@@ -20682,7 +20682,7 @@
               </p:txBody>
             </p:sp>
           </mc:Choice>
-          <mc:Fallback>
+          <mc:Fallback xmlns="">
             <p:sp>
               <p:nvSpPr>
                 <p:cNvPr id="8" name="모서리가 둥근 직사각형 7">
@@ -20730,8 +20730,8 @@
             </p:sp>
           </mc:Fallback>
         </mc:AlternateContent>
-        <mc:AlternateContent xmlns:mc="http://schemas.openxmlformats.org/markup-compatibility/2006">
-          <mc:Choice xmlns:a14="http://schemas.microsoft.com/office/drawing/2010/main" Requires="a14">
+        <mc:AlternateContent xmlns:mc="http://schemas.openxmlformats.org/markup-compatibility/2006" xmlns:a14="http://schemas.microsoft.com/office/drawing/2010/main">
+          <mc:Choice Requires="a14">
             <p:sp>
               <p:nvSpPr>
                 <p:cNvPr id="10" name="모서리가 둥근 직사각형 9">
@@ -20829,7 +20829,7 @@
               </p:txBody>
             </p:sp>
           </mc:Choice>
-          <mc:Fallback>
+          <mc:Fallback xmlns="">
             <p:sp>
               <p:nvSpPr>
                 <p:cNvPr id="10" name="모서리가 둥근 직사각형 9">
@@ -20895,8 +20895,8 @@
             <a:chExt cx="2680445" cy="331694"/>
           </a:xfrm>
         </p:grpSpPr>
-        <mc:AlternateContent xmlns:mc="http://schemas.openxmlformats.org/markup-compatibility/2006">
-          <mc:Choice xmlns:a14="http://schemas.microsoft.com/office/drawing/2010/main" Requires="a14">
+        <mc:AlternateContent xmlns:mc="http://schemas.openxmlformats.org/markup-compatibility/2006" xmlns:a14="http://schemas.microsoft.com/office/drawing/2010/main">
+          <mc:Choice Requires="a14">
             <p:sp>
               <p:nvSpPr>
                 <p:cNvPr id="5" name="직사각형 4">
@@ -20994,7 +20994,7 @@
               </p:txBody>
             </p:sp>
           </mc:Choice>
-          <mc:Fallback>
+          <mc:Fallback xmlns="">
             <p:sp>
               <p:nvSpPr>
                 <p:cNvPr id="5" name="직사각형 4">
@@ -21039,8 +21039,8 @@
             </p:sp>
           </mc:Fallback>
         </mc:AlternateContent>
-        <mc:AlternateContent xmlns:mc="http://schemas.openxmlformats.org/markup-compatibility/2006">
-          <mc:Choice xmlns:a14="http://schemas.microsoft.com/office/drawing/2010/main" Requires="a14">
+        <mc:AlternateContent xmlns:mc="http://schemas.openxmlformats.org/markup-compatibility/2006" xmlns:a14="http://schemas.microsoft.com/office/drawing/2010/main">
+          <mc:Choice Requires="a14">
             <p:sp>
               <p:nvSpPr>
                 <p:cNvPr id="7" name="직사각형 6">
@@ -21138,7 +21138,7 @@
               </p:txBody>
             </p:sp>
           </mc:Choice>
-          <mc:Fallback>
+          <mc:Fallback xmlns="">
             <p:sp>
               <p:nvSpPr>
                 <p:cNvPr id="7" name="직사각형 6">
@@ -21183,8 +21183,8 @@
             </p:sp>
           </mc:Fallback>
         </mc:AlternateContent>
-        <mc:AlternateContent xmlns:mc="http://schemas.openxmlformats.org/markup-compatibility/2006">
-          <mc:Choice xmlns:a14="http://schemas.microsoft.com/office/drawing/2010/main" Requires="a14">
+        <mc:AlternateContent xmlns:mc="http://schemas.openxmlformats.org/markup-compatibility/2006" xmlns:a14="http://schemas.microsoft.com/office/drawing/2010/main">
+          <mc:Choice Requires="a14">
             <p:sp>
               <p:nvSpPr>
                 <p:cNvPr id="9" name="직사각형 8">
@@ -21259,7 +21259,7 @@
               </p:txBody>
             </p:sp>
           </mc:Choice>
-          <mc:Fallback>
+          <mc:Fallback xmlns="">
             <p:sp>
               <p:nvSpPr>
                 <p:cNvPr id="9" name="직사각형 8">
@@ -21307,8 +21307,8 @@
             </p:sp>
           </mc:Fallback>
         </mc:AlternateContent>
-        <mc:AlternateContent xmlns:mc="http://schemas.openxmlformats.org/markup-compatibility/2006">
-          <mc:Choice xmlns:a14="http://schemas.microsoft.com/office/drawing/2010/main" Requires="a14">
+        <mc:AlternateContent xmlns:mc="http://schemas.openxmlformats.org/markup-compatibility/2006" xmlns:a14="http://schemas.microsoft.com/office/drawing/2010/main">
+          <mc:Choice Requires="a14">
             <p:sp>
               <p:nvSpPr>
                 <p:cNvPr id="11" name="직사각형 10">
@@ -21406,7 +21406,7 @@
               </p:txBody>
             </p:sp>
           </mc:Choice>
-          <mc:Fallback>
+          <mc:Fallback xmlns="">
             <p:sp>
               <p:nvSpPr>
                 <p:cNvPr id="11" name="직사각형 10">
@@ -21452,8 +21452,8 @@
           </mc:Fallback>
         </mc:AlternateContent>
       </p:grpSp>
-      <mc:AlternateContent xmlns:mc="http://schemas.openxmlformats.org/markup-compatibility/2006">
-        <mc:Choice xmlns:a14="http://schemas.microsoft.com/office/drawing/2010/main" Requires="a14">
+      <mc:AlternateContent xmlns:mc="http://schemas.openxmlformats.org/markup-compatibility/2006" xmlns:a14="http://schemas.microsoft.com/office/drawing/2010/main">
+        <mc:Choice Requires="a14">
           <p:sp>
             <p:nvSpPr>
               <p:cNvPr id="13" name="타원 12">
@@ -21529,7 +21529,7 @@
             </p:txBody>
           </p:sp>
         </mc:Choice>
-        <mc:Fallback>
+        <mc:Fallback xmlns="">
           <p:sp>
             <p:nvSpPr>
               <p:cNvPr id="13" name="타원 12">
@@ -21594,8 +21594,8 @@
             <a:chExt cx="2680445" cy="335648"/>
           </a:xfrm>
         </p:grpSpPr>
-        <mc:AlternateContent xmlns:mc="http://schemas.openxmlformats.org/markup-compatibility/2006">
-          <mc:Choice xmlns:a14="http://schemas.microsoft.com/office/drawing/2010/main" Requires="a14">
+        <mc:AlternateContent xmlns:mc="http://schemas.openxmlformats.org/markup-compatibility/2006" xmlns:a14="http://schemas.microsoft.com/office/drawing/2010/main">
+          <mc:Choice Requires="a14">
             <p:sp>
               <p:nvSpPr>
                 <p:cNvPr id="12" name="타원 11">
@@ -21671,7 +21671,7 @@
               </p:txBody>
             </p:sp>
           </mc:Choice>
-          <mc:Fallback>
+          <mc:Fallback xmlns="">
             <p:sp>
               <p:nvSpPr>
                 <p:cNvPr id="12" name="타원 11">
@@ -21716,8 +21716,8 @@
             </p:sp>
           </mc:Fallback>
         </mc:AlternateContent>
-        <mc:AlternateContent xmlns:mc="http://schemas.openxmlformats.org/markup-compatibility/2006">
-          <mc:Choice xmlns:a14="http://schemas.microsoft.com/office/drawing/2010/main" Requires="a14">
+        <mc:AlternateContent xmlns:mc="http://schemas.openxmlformats.org/markup-compatibility/2006" xmlns:a14="http://schemas.microsoft.com/office/drawing/2010/main">
+          <mc:Choice Requires="a14">
             <p:sp>
               <p:nvSpPr>
                 <p:cNvPr id="16" name="직사각형 15">
@@ -21792,7 +21792,7 @@
               </p:txBody>
             </p:sp>
           </mc:Choice>
-          <mc:Fallback>
+          <mc:Fallback xmlns="">
             <p:sp>
               <p:nvSpPr>
                 <p:cNvPr id="16" name="직사각형 15">
@@ -21840,8 +21840,8 @@
             </p:sp>
           </mc:Fallback>
         </mc:AlternateContent>
-        <mc:AlternateContent xmlns:mc="http://schemas.openxmlformats.org/markup-compatibility/2006">
-          <mc:Choice xmlns:a14="http://schemas.microsoft.com/office/drawing/2010/main" Requires="a14">
+        <mc:AlternateContent xmlns:mc="http://schemas.openxmlformats.org/markup-compatibility/2006" xmlns:a14="http://schemas.microsoft.com/office/drawing/2010/main">
+          <mc:Choice Requires="a14">
             <p:sp>
               <p:nvSpPr>
                 <p:cNvPr id="17" name="타원 16">
@@ -21917,7 +21917,7 @@
               </p:txBody>
             </p:sp>
           </mc:Choice>
-          <mc:Fallback>
+          <mc:Fallback xmlns="">
             <p:sp>
               <p:nvSpPr>
                 <p:cNvPr id="17" name="타원 16">
@@ -21962,8 +21962,8 @@
             </p:sp>
           </mc:Fallback>
         </mc:AlternateContent>
-        <mc:AlternateContent xmlns:mc="http://schemas.openxmlformats.org/markup-compatibility/2006">
-          <mc:Choice xmlns:a14="http://schemas.microsoft.com/office/drawing/2010/main" Requires="a14">
+        <mc:AlternateContent xmlns:mc="http://schemas.openxmlformats.org/markup-compatibility/2006" xmlns:a14="http://schemas.microsoft.com/office/drawing/2010/main">
+          <mc:Choice Requires="a14">
             <p:sp>
               <p:nvSpPr>
                 <p:cNvPr id="18" name="타원 17">
@@ -22039,7 +22039,7 @@
               </p:txBody>
             </p:sp>
           </mc:Choice>
-          <mc:Fallback>
+          <mc:Fallback xmlns="">
             <p:sp>
               <p:nvSpPr>
                 <p:cNvPr id="18" name="타원 17">
@@ -22105,8 +22105,8 @@
             <a:chExt cx="2680445" cy="335648"/>
           </a:xfrm>
         </p:grpSpPr>
-        <mc:AlternateContent xmlns:mc="http://schemas.openxmlformats.org/markup-compatibility/2006">
-          <mc:Choice xmlns:a14="http://schemas.microsoft.com/office/drawing/2010/main" Requires="a14">
+        <mc:AlternateContent xmlns:mc="http://schemas.openxmlformats.org/markup-compatibility/2006" xmlns:a14="http://schemas.microsoft.com/office/drawing/2010/main">
+          <mc:Choice Requires="a14">
             <p:sp>
               <p:nvSpPr>
                 <p:cNvPr id="23" name="타원 22">
@@ -22182,7 +22182,7 @@
               </p:txBody>
             </p:sp>
           </mc:Choice>
-          <mc:Fallback>
+          <mc:Fallback xmlns="">
             <p:sp>
               <p:nvSpPr>
                 <p:cNvPr id="23" name="타원 22">
@@ -22227,8 +22227,8 @@
             </p:sp>
           </mc:Fallback>
         </mc:AlternateContent>
-        <mc:AlternateContent xmlns:mc="http://schemas.openxmlformats.org/markup-compatibility/2006">
-          <mc:Choice xmlns:a14="http://schemas.microsoft.com/office/drawing/2010/main" Requires="a14">
+        <mc:AlternateContent xmlns:mc="http://schemas.openxmlformats.org/markup-compatibility/2006" xmlns:a14="http://schemas.microsoft.com/office/drawing/2010/main">
+          <mc:Choice Requires="a14">
             <p:sp>
               <p:nvSpPr>
                 <p:cNvPr id="24" name="직사각형 23">
@@ -22303,7 +22303,7 @@
               </p:txBody>
             </p:sp>
           </mc:Choice>
-          <mc:Fallback>
+          <mc:Fallback xmlns="">
             <p:sp>
               <p:nvSpPr>
                 <p:cNvPr id="24" name="직사각형 23">
@@ -22351,8 +22351,8 @@
             </p:sp>
           </mc:Fallback>
         </mc:AlternateContent>
-        <mc:AlternateContent xmlns:mc="http://schemas.openxmlformats.org/markup-compatibility/2006">
-          <mc:Choice xmlns:a14="http://schemas.microsoft.com/office/drawing/2010/main" Requires="a14">
+        <mc:AlternateContent xmlns:mc="http://schemas.openxmlformats.org/markup-compatibility/2006" xmlns:a14="http://schemas.microsoft.com/office/drawing/2010/main">
+          <mc:Choice Requires="a14">
             <p:sp>
               <p:nvSpPr>
                 <p:cNvPr id="25" name="타원 24">
@@ -22428,7 +22428,7 @@
               </p:txBody>
             </p:sp>
           </mc:Choice>
-          <mc:Fallback>
+          <mc:Fallback xmlns="">
             <p:sp>
               <p:nvSpPr>
                 <p:cNvPr id="25" name="타원 24">
@@ -22473,8 +22473,8 @@
             </p:sp>
           </mc:Fallback>
         </mc:AlternateContent>
-        <mc:AlternateContent xmlns:mc="http://schemas.openxmlformats.org/markup-compatibility/2006">
-          <mc:Choice xmlns:a14="http://schemas.microsoft.com/office/drawing/2010/main" Requires="a14">
+        <mc:AlternateContent xmlns:mc="http://schemas.openxmlformats.org/markup-compatibility/2006" xmlns:a14="http://schemas.microsoft.com/office/drawing/2010/main">
+          <mc:Choice Requires="a14">
             <p:sp>
               <p:nvSpPr>
                 <p:cNvPr id="26" name="타원 25">
@@ -22550,7 +22550,7 @@
               </p:txBody>
             </p:sp>
           </mc:Choice>
-          <mc:Fallback>
+          <mc:Fallback xmlns="">
             <p:sp>
               <p:nvSpPr>
                 <p:cNvPr id="26" name="타원 25">
@@ -23529,8 +23529,8 @@
             <a:chExt cx="2680445" cy="331694"/>
           </a:xfrm>
         </p:grpSpPr>
-        <mc:AlternateContent xmlns:mc="http://schemas.openxmlformats.org/markup-compatibility/2006">
-          <mc:Choice xmlns:a14="http://schemas.microsoft.com/office/drawing/2010/main" Requires="a14">
+        <mc:AlternateContent xmlns:mc="http://schemas.openxmlformats.org/markup-compatibility/2006" xmlns:a14="http://schemas.microsoft.com/office/drawing/2010/main">
+          <mc:Choice Requires="a14">
             <p:sp>
               <p:nvSpPr>
                 <p:cNvPr id="4" name="모서리가 둥근 직사각형 3">
@@ -23628,7 +23628,7 @@
               </p:txBody>
             </p:sp>
           </mc:Choice>
-          <mc:Fallback>
+          <mc:Fallback xmlns="">
             <p:sp>
               <p:nvSpPr>
                 <p:cNvPr id="4" name="모서리가 둥근 직사각형 3">
@@ -23673,8 +23673,8 @@
             </p:sp>
           </mc:Fallback>
         </mc:AlternateContent>
-        <mc:AlternateContent xmlns:mc="http://schemas.openxmlformats.org/markup-compatibility/2006">
-          <mc:Choice xmlns:a14="http://schemas.microsoft.com/office/drawing/2010/main" Requires="a14">
+        <mc:AlternateContent xmlns:mc="http://schemas.openxmlformats.org/markup-compatibility/2006" xmlns:a14="http://schemas.microsoft.com/office/drawing/2010/main">
+          <mc:Choice Requires="a14">
             <p:sp>
               <p:nvSpPr>
                 <p:cNvPr id="6" name="모서리가 둥근 직사각형 5">
@@ -23772,7 +23772,7 @@
               </p:txBody>
             </p:sp>
           </mc:Choice>
-          <mc:Fallback>
+          <mc:Fallback xmlns="">
             <p:sp>
               <p:nvSpPr>
                 <p:cNvPr id="6" name="모서리가 둥근 직사각형 5">
@@ -23817,8 +23817,8 @@
             </p:sp>
           </mc:Fallback>
         </mc:AlternateContent>
-        <mc:AlternateContent xmlns:mc="http://schemas.openxmlformats.org/markup-compatibility/2006">
-          <mc:Choice xmlns:a14="http://schemas.microsoft.com/office/drawing/2010/main" Requires="a14">
+        <mc:AlternateContent xmlns:mc="http://schemas.openxmlformats.org/markup-compatibility/2006" xmlns:a14="http://schemas.microsoft.com/office/drawing/2010/main">
+          <mc:Choice Requires="a14">
             <p:sp>
               <p:nvSpPr>
                 <p:cNvPr id="8" name="모서리가 둥근 직사각형 7">
@@ -23892,7 +23892,7 @@
               </p:txBody>
             </p:sp>
           </mc:Choice>
-          <mc:Fallback>
+          <mc:Fallback xmlns="">
             <p:sp>
               <p:nvSpPr>
                 <p:cNvPr id="8" name="모서리가 둥근 직사각형 7">
@@ -23940,8 +23940,8 @@
             </p:sp>
           </mc:Fallback>
         </mc:AlternateContent>
-        <mc:AlternateContent xmlns:mc="http://schemas.openxmlformats.org/markup-compatibility/2006">
-          <mc:Choice xmlns:a14="http://schemas.microsoft.com/office/drawing/2010/main" Requires="a14">
+        <mc:AlternateContent xmlns:mc="http://schemas.openxmlformats.org/markup-compatibility/2006" xmlns:a14="http://schemas.microsoft.com/office/drawing/2010/main">
+          <mc:Choice Requires="a14">
             <p:sp>
               <p:nvSpPr>
                 <p:cNvPr id="10" name="모서리가 둥근 직사각형 9">
@@ -24039,7 +24039,7 @@
               </p:txBody>
             </p:sp>
           </mc:Choice>
-          <mc:Fallback>
+          <mc:Fallback xmlns="">
             <p:sp>
               <p:nvSpPr>
                 <p:cNvPr id="10" name="모서리가 둥근 직사각형 9">
@@ -24105,8 +24105,8 @@
             <a:chExt cx="2680445" cy="331694"/>
           </a:xfrm>
         </p:grpSpPr>
-        <mc:AlternateContent xmlns:mc="http://schemas.openxmlformats.org/markup-compatibility/2006">
-          <mc:Choice xmlns:a14="http://schemas.microsoft.com/office/drawing/2010/main" Requires="a14">
+        <mc:AlternateContent xmlns:mc="http://schemas.openxmlformats.org/markup-compatibility/2006" xmlns:a14="http://schemas.microsoft.com/office/drawing/2010/main">
+          <mc:Choice Requires="a14">
             <p:sp>
               <p:nvSpPr>
                 <p:cNvPr id="5" name="직사각형 4">
@@ -24204,7 +24204,7 @@
               </p:txBody>
             </p:sp>
           </mc:Choice>
-          <mc:Fallback>
+          <mc:Fallback xmlns="">
             <p:sp>
               <p:nvSpPr>
                 <p:cNvPr id="5" name="직사각형 4">
@@ -24249,8 +24249,8 @@
             </p:sp>
           </mc:Fallback>
         </mc:AlternateContent>
-        <mc:AlternateContent xmlns:mc="http://schemas.openxmlformats.org/markup-compatibility/2006">
-          <mc:Choice xmlns:a14="http://schemas.microsoft.com/office/drawing/2010/main" Requires="a14">
+        <mc:AlternateContent xmlns:mc="http://schemas.openxmlformats.org/markup-compatibility/2006" xmlns:a14="http://schemas.microsoft.com/office/drawing/2010/main">
+          <mc:Choice Requires="a14">
             <p:sp>
               <p:nvSpPr>
                 <p:cNvPr id="7" name="직사각형 6">
@@ -24348,7 +24348,7 @@
               </p:txBody>
             </p:sp>
           </mc:Choice>
-          <mc:Fallback>
+          <mc:Fallback xmlns="">
             <p:sp>
               <p:nvSpPr>
                 <p:cNvPr id="7" name="직사각형 6">
@@ -24393,8 +24393,8 @@
             </p:sp>
           </mc:Fallback>
         </mc:AlternateContent>
-        <mc:AlternateContent xmlns:mc="http://schemas.openxmlformats.org/markup-compatibility/2006">
-          <mc:Choice xmlns:a14="http://schemas.microsoft.com/office/drawing/2010/main" Requires="a14">
+        <mc:AlternateContent xmlns:mc="http://schemas.openxmlformats.org/markup-compatibility/2006" xmlns:a14="http://schemas.microsoft.com/office/drawing/2010/main">
+          <mc:Choice Requires="a14">
             <p:sp>
               <p:nvSpPr>
                 <p:cNvPr id="9" name="직사각형 8">
@@ -24469,7 +24469,7 @@
               </p:txBody>
             </p:sp>
           </mc:Choice>
-          <mc:Fallback>
+          <mc:Fallback xmlns="">
             <p:sp>
               <p:nvSpPr>
                 <p:cNvPr id="9" name="직사각형 8">
@@ -24517,8 +24517,8 @@
             </p:sp>
           </mc:Fallback>
         </mc:AlternateContent>
-        <mc:AlternateContent xmlns:mc="http://schemas.openxmlformats.org/markup-compatibility/2006">
-          <mc:Choice xmlns:a14="http://schemas.microsoft.com/office/drawing/2010/main" Requires="a14">
+        <mc:AlternateContent xmlns:mc="http://schemas.openxmlformats.org/markup-compatibility/2006" xmlns:a14="http://schemas.microsoft.com/office/drawing/2010/main">
+          <mc:Choice Requires="a14">
             <p:sp>
               <p:nvSpPr>
                 <p:cNvPr id="11" name="직사각형 10">
@@ -24616,7 +24616,7 @@
               </p:txBody>
             </p:sp>
           </mc:Choice>
-          <mc:Fallback>
+          <mc:Fallback xmlns="">
             <p:sp>
               <p:nvSpPr>
                 <p:cNvPr id="11" name="직사각형 10">
@@ -24662,8 +24662,8 @@
           </mc:Fallback>
         </mc:AlternateContent>
       </p:grpSp>
-      <mc:AlternateContent xmlns:mc="http://schemas.openxmlformats.org/markup-compatibility/2006">
-        <mc:Choice xmlns:a14="http://schemas.microsoft.com/office/drawing/2010/main" Requires="a14">
+      <mc:AlternateContent xmlns:mc="http://schemas.openxmlformats.org/markup-compatibility/2006" xmlns:a14="http://schemas.microsoft.com/office/drawing/2010/main">
+        <mc:Choice Requires="a14">
           <p:sp>
             <p:nvSpPr>
               <p:cNvPr id="13" name="타원 12">
@@ -24739,7 +24739,7 @@
             </p:txBody>
           </p:sp>
         </mc:Choice>
-        <mc:Fallback>
+        <mc:Fallback xmlns="">
           <p:sp>
             <p:nvSpPr>
               <p:cNvPr id="13" name="타원 12">
@@ -24804,8 +24804,8 @@
             <a:chExt cx="2680445" cy="335648"/>
           </a:xfrm>
         </p:grpSpPr>
-        <mc:AlternateContent xmlns:mc="http://schemas.openxmlformats.org/markup-compatibility/2006">
-          <mc:Choice xmlns:a14="http://schemas.microsoft.com/office/drawing/2010/main" Requires="a14">
+        <mc:AlternateContent xmlns:mc="http://schemas.openxmlformats.org/markup-compatibility/2006" xmlns:a14="http://schemas.microsoft.com/office/drawing/2010/main">
+          <mc:Choice Requires="a14">
             <p:sp>
               <p:nvSpPr>
                 <p:cNvPr id="12" name="타원 11">
@@ -24881,7 +24881,7 @@
               </p:txBody>
             </p:sp>
           </mc:Choice>
-          <mc:Fallback>
+          <mc:Fallback xmlns="">
             <p:sp>
               <p:nvSpPr>
                 <p:cNvPr id="12" name="타원 11">
@@ -24926,8 +24926,8 @@
             </p:sp>
           </mc:Fallback>
         </mc:AlternateContent>
-        <mc:AlternateContent xmlns:mc="http://schemas.openxmlformats.org/markup-compatibility/2006">
-          <mc:Choice xmlns:a14="http://schemas.microsoft.com/office/drawing/2010/main" Requires="a14">
+        <mc:AlternateContent xmlns:mc="http://schemas.openxmlformats.org/markup-compatibility/2006" xmlns:a14="http://schemas.microsoft.com/office/drawing/2010/main">
+          <mc:Choice Requires="a14">
             <p:sp>
               <p:nvSpPr>
                 <p:cNvPr id="16" name="직사각형 15">
@@ -25002,7 +25002,7 @@
               </p:txBody>
             </p:sp>
           </mc:Choice>
-          <mc:Fallback>
+          <mc:Fallback xmlns="">
             <p:sp>
               <p:nvSpPr>
                 <p:cNvPr id="16" name="직사각형 15">
@@ -25050,8 +25050,8 @@
             </p:sp>
           </mc:Fallback>
         </mc:AlternateContent>
-        <mc:AlternateContent xmlns:mc="http://schemas.openxmlformats.org/markup-compatibility/2006">
-          <mc:Choice xmlns:a14="http://schemas.microsoft.com/office/drawing/2010/main" Requires="a14">
+        <mc:AlternateContent xmlns:mc="http://schemas.openxmlformats.org/markup-compatibility/2006" xmlns:a14="http://schemas.microsoft.com/office/drawing/2010/main">
+          <mc:Choice Requires="a14">
             <p:sp>
               <p:nvSpPr>
                 <p:cNvPr id="17" name="타원 16">
@@ -25127,7 +25127,7 @@
               </p:txBody>
             </p:sp>
           </mc:Choice>
-          <mc:Fallback>
+          <mc:Fallback xmlns="">
             <p:sp>
               <p:nvSpPr>
                 <p:cNvPr id="17" name="타원 16">
@@ -25172,8 +25172,8 @@
             </p:sp>
           </mc:Fallback>
         </mc:AlternateContent>
-        <mc:AlternateContent xmlns:mc="http://schemas.openxmlformats.org/markup-compatibility/2006">
-          <mc:Choice xmlns:a14="http://schemas.microsoft.com/office/drawing/2010/main" Requires="a14">
+        <mc:AlternateContent xmlns:mc="http://schemas.openxmlformats.org/markup-compatibility/2006" xmlns:a14="http://schemas.microsoft.com/office/drawing/2010/main">
+          <mc:Choice Requires="a14">
             <p:sp>
               <p:nvSpPr>
                 <p:cNvPr id="18" name="타원 17">
@@ -25249,7 +25249,7 @@
               </p:txBody>
             </p:sp>
           </mc:Choice>
-          <mc:Fallback>
+          <mc:Fallback xmlns="">
             <p:sp>
               <p:nvSpPr>
                 <p:cNvPr id="18" name="타원 17">
@@ -25315,8 +25315,8 @@
             <a:chExt cx="2680445" cy="335648"/>
           </a:xfrm>
         </p:grpSpPr>
-        <mc:AlternateContent xmlns:mc="http://schemas.openxmlformats.org/markup-compatibility/2006">
-          <mc:Choice xmlns:a14="http://schemas.microsoft.com/office/drawing/2010/main" Requires="a14">
+        <mc:AlternateContent xmlns:mc="http://schemas.openxmlformats.org/markup-compatibility/2006" xmlns:a14="http://schemas.microsoft.com/office/drawing/2010/main">
+          <mc:Choice Requires="a14">
             <p:sp>
               <p:nvSpPr>
                 <p:cNvPr id="23" name="타원 22">
@@ -25392,7 +25392,7 @@
               </p:txBody>
             </p:sp>
           </mc:Choice>
-          <mc:Fallback>
+          <mc:Fallback xmlns="">
             <p:sp>
               <p:nvSpPr>
                 <p:cNvPr id="23" name="타원 22">
@@ -25437,8 +25437,8 @@
             </p:sp>
           </mc:Fallback>
         </mc:AlternateContent>
-        <mc:AlternateContent xmlns:mc="http://schemas.openxmlformats.org/markup-compatibility/2006">
-          <mc:Choice xmlns:a14="http://schemas.microsoft.com/office/drawing/2010/main" Requires="a14">
+        <mc:AlternateContent xmlns:mc="http://schemas.openxmlformats.org/markup-compatibility/2006" xmlns:a14="http://schemas.microsoft.com/office/drawing/2010/main">
+          <mc:Choice Requires="a14">
             <p:sp>
               <p:nvSpPr>
                 <p:cNvPr id="24" name="직사각형 23">
@@ -25513,7 +25513,7 @@
               </p:txBody>
             </p:sp>
           </mc:Choice>
-          <mc:Fallback>
+          <mc:Fallback xmlns="">
             <p:sp>
               <p:nvSpPr>
                 <p:cNvPr id="24" name="직사각형 23">
@@ -25561,8 +25561,8 @@
             </p:sp>
           </mc:Fallback>
         </mc:AlternateContent>
-        <mc:AlternateContent xmlns:mc="http://schemas.openxmlformats.org/markup-compatibility/2006">
-          <mc:Choice xmlns:a14="http://schemas.microsoft.com/office/drawing/2010/main" Requires="a14">
+        <mc:AlternateContent xmlns:mc="http://schemas.openxmlformats.org/markup-compatibility/2006" xmlns:a14="http://schemas.microsoft.com/office/drawing/2010/main">
+          <mc:Choice Requires="a14">
             <p:sp>
               <p:nvSpPr>
                 <p:cNvPr id="25" name="타원 24">
@@ -25638,7 +25638,7 @@
               </p:txBody>
             </p:sp>
           </mc:Choice>
-          <mc:Fallback>
+          <mc:Fallback xmlns="">
             <p:sp>
               <p:nvSpPr>
                 <p:cNvPr id="25" name="타원 24">
@@ -25683,8 +25683,8 @@
             </p:sp>
           </mc:Fallback>
         </mc:AlternateContent>
-        <mc:AlternateContent xmlns:mc="http://schemas.openxmlformats.org/markup-compatibility/2006">
-          <mc:Choice xmlns:a14="http://schemas.microsoft.com/office/drawing/2010/main" Requires="a14">
+        <mc:AlternateContent xmlns:mc="http://schemas.openxmlformats.org/markup-compatibility/2006" xmlns:a14="http://schemas.microsoft.com/office/drawing/2010/main">
+          <mc:Choice Requires="a14">
             <p:sp>
               <p:nvSpPr>
                 <p:cNvPr id="26" name="타원 25">
@@ -25760,7 +25760,7 @@
               </p:txBody>
             </p:sp>
           </mc:Choice>
-          <mc:Fallback>
+          <mc:Fallback xmlns="">
             <p:sp>
               <p:nvSpPr>
                 <p:cNvPr id="26" name="타원 25">
@@ -27129,8 +27129,8 @@
             <a:chExt cx="2680445" cy="331694"/>
           </a:xfrm>
         </p:grpSpPr>
-        <mc:AlternateContent xmlns:mc="http://schemas.openxmlformats.org/markup-compatibility/2006">
-          <mc:Choice xmlns:a14="http://schemas.microsoft.com/office/drawing/2010/main" Requires="a14">
+        <mc:AlternateContent xmlns:mc="http://schemas.openxmlformats.org/markup-compatibility/2006" xmlns:a14="http://schemas.microsoft.com/office/drawing/2010/main">
+          <mc:Choice Requires="a14">
             <p:sp>
               <p:nvSpPr>
                 <p:cNvPr id="4" name="모서리가 둥근 직사각형 3">
@@ -27228,7 +27228,7 @@
               </p:txBody>
             </p:sp>
           </mc:Choice>
-          <mc:Fallback>
+          <mc:Fallback xmlns="">
             <p:sp>
               <p:nvSpPr>
                 <p:cNvPr id="4" name="모서리가 둥근 직사각형 3">
@@ -27273,8 +27273,8 @@
             </p:sp>
           </mc:Fallback>
         </mc:AlternateContent>
-        <mc:AlternateContent xmlns:mc="http://schemas.openxmlformats.org/markup-compatibility/2006">
-          <mc:Choice xmlns:a14="http://schemas.microsoft.com/office/drawing/2010/main" Requires="a14">
+        <mc:AlternateContent xmlns:mc="http://schemas.openxmlformats.org/markup-compatibility/2006" xmlns:a14="http://schemas.microsoft.com/office/drawing/2010/main">
+          <mc:Choice Requires="a14">
             <p:sp>
               <p:nvSpPr>
                 <p:cNvPr id="6" name="모서리가 둥근 직사각형 5">
@@ -27372,7 +27372,7 @@
               </p:txBody>
             </p:sp>
           </mc:Choice>
-          <mc:Fallback>
+          <mc:Fallback xmlns="">
             <p:sp>
               <p:nvSpPr>
                 <p:cNvPr id="6" name="모서리가 둥근 직사각형 5">
@@ -27417,8 +27417,8 @@
             </p:sp>
           </mc:Fallback>
         </mc:AlternateContent>
-        <mc:AlternateContent xmlns:mc="http://schemas.openxmlformats.org/markup-compatibility/2006">
-          <mc:Choice xmlns:a14="http://schemas.microsoft.com/office/drawing/2010/main" Requires="a14">
+        <mc:AlternateContent xmlns:mc="http://schemas.openxmlformats.org/markup-compatibility/2006" xmlns:a14="http://schemas.microsoft.com/office/drawing/2010/main">
+          <mc:Choice Requires="a14">
             <p:sp>
               <p:nvSpPr>
                 <p:cNvPr id="8" name="모서리가 둥근 직사각형 7">
@@ -27492,7 +27492,7 @@
               </p:txBody>
             </p:sp>
           </mc:Choice>
-          <mc:Fallback>
+          <mc:Fallback xmlns="">
             <p:sp>
               <p:nvSpPr>
                 <p:cNvPr id="8" name="모서리가 둥근 직사각형 7">
@@ -27540,8 +27540,8 @@
             </p:sp>
           </mc:Fallback>
         </mc:AlternateContent>
-        <mc:AlternateContent xmlns:mc="http://schemas.openxmlformats.org/markup-compatibility/2006">
-          <mc:Choice xmlns:a14="http://schemas.microsoft.com/office/drawing/2010/main" Requires="a14">
+        <mc:AlternateContent xmlns:mc="http://schemas.openxmlformats.org/markup-compatibility/2006" xmlns:a14="http://schemas.microsoft.com/office/drawing/2010/main">
+          <mc:Choice Requires="a14">
             <p:sp>
               <p:nvSpPr>
                 <p:cNvPr id="10" name="모서리가 둥근 직사각형 9">
@@ -27639,7 +27639,7 @@
               </p:txBody>
             </p:sp>
           </mc:Choice>
-          <mc:Fallback>
+          <mc:Fallback xmlns="">
             <p:sp>
               <p:nvSpPr>
                 <p:cNvPr id="10" name="모서리가 둥근 직사각형 9">
@@ -27705,8 +27705,8 @@
             <a:chExt cx="2680445" cy="331694"/>
           </a:xfrm>
         </p:grpSpPr>
-        <mc:AlternateContent xmlns:mc="http://schemas.openxmlformats.org/markup-compatibility/2006">
-          <mc:Choice xmlns:a14="http://schemas.microsoft.com/office/drawing/2010/main" Requires="a14">
+        <mc:AlternateContent xmlns:mc="http://schemas.openxmlformats.org/markup-compatibility/2006" xmlns:a14="http://schemas.microsoft.com/office/drawing/2010/main">
+          <mc:Choice Requires="a14">
             <p:sp>
               <p:nvSpPr>
                 <p:cNvPr id="5" name="직사각형 4">
@@ -27804,7 +27804,7 @@
               </p:txBody>
             </p:sp>
           </mc:Choice>
-          <mc:Fallback>
+          <mc:Fallback xmlns="">
             <p:sp>
               <p:nvSpPr>
                 <p:cNvPr id="5" name="직사각형 4">
@@ -27849,8 +27849,8 @@
             </p:sp>
           </mc:Fallback>
         </mc:AlternateContent>
-        <mc:AlternateContent xmlns:mc="http://schemas.openxmlformats.org/markup-compatibility/2006">
-          <mc:Choice xmlns:a14="http://schemas.microsoft.com/office/drawing/2010/main" Requires="a14">
+        <mc:AlternateContent xmlns:mc="http://schemas.openxmlformats.org/markup-compatibility/2006" xmlns:a14="http://schemas.microsoft.com/office/drawing/2010/main">
+          <mc:Choice Requires="a14">
             <p:sp>
               <p:nvSpPr>
                 <p:cNvPr id="7" name="직사각형 6">
@@ -27948,7 +27948,7 @@
               </p:txBody>
             </p:sp>
           </mc:Choice>
-          <mc:Fallback>
+          <mc:Fallback xmlns="">
             <p:sp>
               <p:nvSpPr>
                 <p:cNvPr id="7" name="직사각형 6">
@@ -27993,8 +27993,8 @@
             </p:sp>
           </mc:Fallback>
         </mc:AlternateContent>
-        <mc:AlternateContent xmlns:mc="http://schemas.openxmlformats.org/markup-compatibility/2006">
-          <mc:Choice xmlns:a14="http://schemas.microsoft.com/office/drawing/2010/main" Requires="a14">
+        <mc:AlternateContent xmlns:mc="http://schemas.openxmlformats.org/markup-compatibility/2006" xmlns:a14="http://schemas.microsoft.com/office/drawing/2010/main">
+          <mc:Choice Requires="a14">
             <p:sp>
               <p:nvSpPr>
                 <p:cNvPr id="9" name="직사각형 8">
@@ -28069,7 +28069,7 @@
               </p:txBody>
             </p:sp>
           </mc:Choice>
-          <mc:Fallback>
+          <mc:Fallback xmlns="">
             <p:sp>
               <p:nvSpPr>
                 <p:cNvPr id="9" name="직사각형 8">
@@ -28117,8 +28117,8 @@
             </p:sp>
           </mc:Fallback>
         </mc:AlternateContent>
-        <mc:AlternateContent xmlns:mc="http://schemas.openxmlformats.org/markup-compatibility/2006">
-          <mc:Choice xmlns:a14="http://schemas.microsoft.com/office/drawing/2010/main" Requires="a14">
+        <mc:AlternateContent xmlns:mc="http://schemas.openxmlformats.org/markup-compatibility/2006" xmlns:a14="http://schemas.microsoft.com/office/drawing/2010/main">
+          <mc:Choice Requires="a14">
             <p:sp>
               <p:nvSpPr>
                 <p:cNvPr id="11" name="직사각형 10">
@@ -28216,7 +28216,7 @@
               </p:txBody>
             </p:sp>
           </mc:Choice>
-          <mc:Fallback>
+          <mc:Fallback xmlns="">
             <p:sp>
               <p:nvSpPr>
                 <p:cNvPr id="11" name="직사각형 10">
@@ -28262,8 +28262,8 @@
           </mc:Fallback>
         </mc:AlternateContent>
       </p:grpSp>
-      <mc:AlternateContent xmlns:mc="http://schemas.openxmlformats.org/markup-compatibility/2006">
-        <mc:Choice xmlns:a14="http://schemas.microsoft.com/office/drawing/2010/main" Requires="a14">
+      <mc:AlternateContent xmlns:mc="http://schemas.openxmlformats.org/markup-compatibility/2006" xmlns:a14="http://schemas.microsoft.com/office/drawing/2010/main">
+        <mc:Choice Requires="a14">
           <p:sp>
             <p:nvSpPr>
               <p:cNvPr id="13" name="타원 12">
@@ -28339,7 +28339,7 @@
             </p:txBody>
           </p:sp>
         </mc:Choice>
-        <mc:Fallback>
+        <mc:Fallback xmlns="">
           <p:sp>
             <p:nvSpPr>
               <p:cNvPr id="13" name="타원 12">
@@ -28822,8 +28822,8 @@
                 <a:chExt cx="2680445" cy="335648"/>
               </a:xfrm>
             </p:grpSpPr>
-            <mc:AlternateContent xmlns:mc="http://schemas.openxmlformats.org/markup-compatibility/2006">
-              <mc:Choice xmlns:a14="http://schemas.microsoft.com/office/drawing/2010/main" Requires="a14">
+            <mc:AlternateContent xmlns:mc="http://schemas.openxmlformats.org/markup-compatibility/2006" xmlns:a14="http://schemas.microsoft.com/office/drawing/2010/main">
+              <mc:Choice Requires="a14">
                 <p:sp>
                   <p:nvSpPr>
                     <p:cNvPr id="12" name="타원 11">
@@ -28899,7 +28899,7 @@
                   </p:txBody>
                 </p:sp>
               </mc:Choice>
-              <mc:Fallback>
+              <mc:Fallback xmlns="">
                 <p:sp>
                   <p:nvSpPr>
                     <p:cNvPr id="12" name="타원 11">
@@ -28944,8 +28944,8 @@
                 </p:sp>
               </mc:Fallback>
             </mc:AlternateContent>
-            <mc:AlternateContent xmlns:mc="http://schemas.openxmlformats.org/markup-compatibility/2006">
-              <mc:Choice xmlns:a14="http://schemas.microsoft.com/office/drawing/2010/main" Requires="a14">
+            <mc:AlternateContent xmlns:mc="http://schemas.openxmlformats.org/markup-compatibility/2006" xmlns:a14="http://schemas.microsoft.com/office/drawing/2010/main">
+              <mc:Choice Requires="a14">
                 <p:sp>
                   <p:nvSpPr>
                     <p:cNvPr id="16" name="직사각형 15">
@@ -29020,7 +29020,7 @@
                   </p:txBody>
                 </p:sp>
               </mc:Choice>
-              <mc:Fallback>
+              <mc:Fallback xmlns="">
                 <p:sp>
                   <p:nvSpPr>
                     <p:cNvPr id="16" name="직사각형 15">
@@ -29068,8 +29068,8 @@
                 </p:sp>
               </mc:Fallback>
             </mc:AlternateContent>
-            <mc:AlternateContent xmlns:mc="http://schemas.openxmlformats.org/markup-compatibility/2006">
-              <mc:Choice xmlns:a14="http://schemas.microsoft.com/office/drawing/2010/main" Requires="a14">
+            <mc:AlternateContent xmlns:mc="http://schemas.openxmlformats.org/markup-compatibility/2006" xmlns:a14="http://schemas.microsoft.com/office/drawing/2010/main">
+              <mc:Choice Requires="a14">
                 <p:sp>
                   <p:nvSpPr>
                     <p:cNvPr id="17" name="타원 16">
@@ -29145,7 +29145,7 @@
                   </p:txBody>
                 </p:sp>
               </mc:Choice>
-              <mc:Fallback>
+              <mc:Fallback xmlns="">
                 <p:sp>
                   <p:nvSpPr>
                     <p:cNvPr id="17" name="타원 16">
@@ -29190,8 +29190,8 @@
                 </p:sp>
               </mc:Fallback>
             </mc:AlternateContent>
-            <mc:AlternateContent xmlns:mc="http://schemas.openxmlformats.org/markup-compatibility/2006">
-              <mc:Choice xmlns:a14="http://schemas.microsoft.com/office/drawing/2010/main" Requires="a14">
+            <mc:AlternateContent xmlns:mc="http://schemas.openxmlformats.org/markup-compatibility/2006" xmlns:a14="http://schemas.microsoft.com/office/drawing/2010/main">
+              <mc:Choice Requires="a14">
                 <p:sp>
                   <p:nvSpPr>
                     <p:cNvPr id="18" name="타원 17">
@@ -29267,7 +29267,7 @@
                   </p:txBody>
                 </p:sp>
               </mc:Choice>
-              <mc:Fallback>
+              <mc:Fallback xmlns="">
                 <p:sp>
                   <p:nvSpPr>
                     <p:cNvPr id="18" name="타원 17">
@@ -29333,8 +29333,8 @@
                 <a:chExt cx="2680445" cy="335648"/>
               </a:xfrm>
             </p:grpSpPr>
-            <mc:AlternateContent xmlns:mc="http://schemas.openxmlformats.org/markup-compatibility/2006">
-              <mc:Choice xmlns:a14="http://schemas.microsoft.com/office/drawing/2010/main" Requires="a14">
+            <mc:AlternateContent xmlns:mc="http://schemas.openxmlformats.org/markup-compatibility/2006" xmlns:a14="http://schemas.microsoft.com/office/drawing/2010/main">
+              <mc:Choice Requires="a14">
                 <p:sp>
                   <p:nvSpPr>
                     <p:cNvPr id="23" name="타원 22">
@@ -29410,7 +29410,7 @@
                   </p:txBody>
                 </p:sp>
               </mc:Choice>
-              <mc:Fallback>
+              <mc:Fallback xmlns="">
                 <p:sp>
                   <p:nvSpPr>
                     <p:cNvPr id="23" name="타원 22">
@@ -29455,8 +29455,8 @@
                 </p:sp>
               </mc:Fallback>
             </mc:AlternateContent>
-            <mc:AlternateContent xmlns:mc="http://schemas.openxmlformats.org/markup-compatibility/2006">
-              <mc:Choice xmlns:a14="http://schemas.microsoft.com/office/drawing/2010/main" Requires="a14">
+            <mc:AlternateContent xmlns:mc="http://schemas.openxmlformats.org/markup-compatibility/2006" xmlns:a14="http://schemas.microsoft.com/office/drawing/2010/main">
+              <mc:Choice Requires="a14">
                 <p:sp>
                   <p:nvSpPr>
                     <p:cNvPr id="24" name="직사각형 23">
@@ -29531,7 +29531,7 @@
                   </p:txBody>
                 </p:sp>
               </mc:Choice>
-              <mc:Fallback>
+              <mc:Fallback xmlns="">
                 <p:sp>
                   <p:nvSpPr>
                     <p:cNvPr id="24" name="직사각형 23">
@@ -29579,8 +29579,8 @@
                 </p:sp>
               </mc:Fallback>
             </mc:AlternateContent>
-            <mc:AlternateContent xmlns:mc="http://schemas.openxmlformats.org/markup-compatibility/2006">
-              <mc:Choice xmlns:a14="http://schemas.microsoft.com/office/drawing/2010/main" Requires="a14">
+            <mc:AlternateContent xmlns:mc="http://schemas.openxmlformats.org/markup-compatibility/2006" xmlns:a14="http://schemas.microsoft.com/office/drawing/2010/main">
+              <mc:Choice Requires="a14">
                 <p:sp>
                   <p:nvSpPr>
                     <p:cNvPr id="25" name="타원 24">
@@ -29656,7 +29656,7 @@
                   </p:txBody>
                 </p:sp>
               </mc:Choice>
-              <mc:Fallback>
+              <mc:Fallback xmlns="">
                 <p:sp>
                   <p:nvSpPr>
                     <p:cNvPr id="25" name="타원 24">
@@ -29701,8 +29701,8 @@
                 </p:sp>
               </mc:Fallback>
             </mc:AlternateContent>
-            <mc:AlternateContent xmlns:mc="http://schemas.openxmlformats.org/markup-compatibility/2006">
-              <mc:Choice xmlns:a14="http://schemas.microsoft.com/office/drawing/2010/main" Requires="a14">
+            <mc:AlternateContent xmlns:mc="http://schemas.openxmlformats.org/markup-compatibility/2006" xmlns:a14="http://schemas.microsoft.com/office/drawing/2010/main">
+              <mc:Choice Requires="a14">
                 <p:sp>
                   <p:nvSpPr>
                     <p:cNvPr id="26" name="타원 25">
@@ -29778,7 +29778,7 @@
                   </p:txBody>
                 </p:sp>
               </mc:Choice>
-              <mc:Fallback>
+              <mc:Fallback xmlns="">
                 <p:sp>
                   <p:nvSpPr>
                     <p:cNvPr id="26" name="타원 25">
@@ -29865,8 +29865,8 @@
                 <a:chExt cx="2680445" cy="335648"/>
               </a:xfrm>
             </p:grpSpPr>
-            <mc:AlternateContent xmlns:mc="http://schemas.openxmlformats.org/markup-compatibility/2006">
-              <mc:Choice xmlns:a14="http://schemas.microsoft.com/office/drawing/2010/main" Requires="a14">
+            <mc:AlternateContent xmlns:mc="http://schemas.openxmlformats.org/markup-compatibility/2006" xmlns:a14="http://schemas.microsoft.com/office/drawing/2010/main">
+              <mc:Choice Requires="a14">
                 <p:sp>
                   <p:nvSpPr>
                     <p:cNvPr id="35" name="타원 34">
@@ -29942,7 +29942,7 @@
                   </p:txBody>
                 </p:sp>
               </mc:Choice>
-              <mc:Fallback>
+              <mc:Fallback xmlns="">
                 <p:sp>
                   <p:nvSpPr>
                     <p:cNvPr id="35" name="타원 34">
@@ -29987,8 +29987,8 @@
                 </p:sp>
               </mc:Fallback>
             </mc:AlternateContent>
-            <mc:AlternateContent xmlns:mc="http://schemas.openxmlformats.org/markup-compatibility/2006">
-              <mc:Choice xmlns:a14="http://schemas.microsoft.com/office/drawing/2010/main" Requires="a14">
+            <mc:AlternateContent xmlns:mc="http://schemas.openxmlformats.org/markup-compatibility/2006" xmlns:a14="http://schemas.microsoft.com/office/drawing/2010/main">
+              <mc:Choice Requires="a14">
                 <p:sp>
                   <p:nvSpPr>
                     <p:cNvPr id="37" name="직사각형 36">
@@ -30063,7 +30063,7 @@
                   </p:txBody>
                 </p:sp>
               </mc:Choice>
-              <mc:Fallback>
+              <mc:Fallback xmlns="">
                 <p:sp>
                   <p:nvSpPr>
                     <p:cNvPr id="37" name="직사각형 36">
@@ -30111,8 +30111,8 @@
                 </p:sp>
               </mc:Fallback>
             </mc:AlternateContent>
-            <mc:AlternateContent xmlns:mc="http://schemas.openxmlformats.org/markup-compatibility/2006">
-              <mc:Choice xmlns:a14="http://schemas.microsoft.com/office/drawing/2010/main" Requires="a14">
+            <mc:AlternateContent xmlns:mc="http://schemas.openxmlformats.org/markup-compatibility/2006" xmlns:a14="http://schemas.microsoft.com/office/drawing/2010/main">
+              <mc:Choice Requires="a14">
                 <p:sp>
                   <p:nvSpPr>
                     <p:cNvPr id="39" name="타원 38">
@@ -30188,7 +30188,7 @@
                   </p:txBody>
                 </p:sp>
               </mc:Choice>
-              <mc:Fallback>
+              <mc:Fallback xmlns="">
                 <p:sp>
                   <p:nvSpPr>
                     <p:cNvPr id="39" name="타원 38">
@@ -30233,8 +30233,8 @@
                 </p:sp>
               </mc:Fallback>
             </mc:AlternateContent>
-            <mc:AlternateContent xmlns:mc="http://schemas.openxmlformats.org/markup-compatibility/2006">
-              <mc:Choice xmlns:a14="http://schemas.microsoft.com/office/drawing/2010/main" Requires="a14">
+            <mc:AlternateContent xmlns:mc="http://schemas.openxmlformats.org/markup-compatibility/2006" xmlns:a14="http://schemas.microsoft.com/office/drawing/2010/main">
+              <mc:Choice Requires="a14">
                 <p:sp>
                   <p:nvSpPr>
                     <p:cNvPr id="41" name="타원 40">
@@ -30310,7 +30310,7 @@
                   </p:txBody>
                 </p:sp>
               </mc:Choice>
-              <mc:Fallback>
+              <mc:Fallback xmlns="">
                 <p:sp>
                   <p:nvSpPr>
                     <p:cNvPr id="41" name="타원 40">
@@ -30376,8 +30376,8 @@
                 <a:chExt cx="2680445" cy="335648"/>
               </a:xfrm>
             </p:grpSpPr>
-            <mc:AlternateContent xmlns:mc="http://schemas.openxmlformats.org/markup-compatibility/2006">
-              <mc:Choice xmlns:a14="http://schemas.microsoft.com/office/drawing/2010/main" Requires="a14">
+            <mc:AlternateContent xmlns:mc="http://schemas.openxmlformats.org/markup-compatibility/2006" xmlns:a14="http://schemas.microsoft.com/office/drawing/2010/main">
+              <mc:Choice Requires="a14">
                 <p:sp>
                   <p:nvSpPr>
                     <p:cNvPr id="27" name="타원 26">
@@ -30453,7 +30453,7 @@
                   </p:txBody>
                 </p:sp>
               </mc:Choice>
-              <mc:Fallback>
+              <mc:Fallback xmlns="">
                 <p:sp>
                   <p:nvSpPr>
                     <p:cNvPr id="27" name="타원 26">
@@ -30498,8 +30498,8 @@
                 </p:sp>
               </mc:Fallback>
             </mc:AlternateContent>
-            <mc:AlternateContent xmlns:mc="http://schemas.openxmlformats.org/markup-compatibility/2006">
-              <mc:Choice xmlns:a14="http://schemas.microsoft.com/office/drawing/2010/main" Requires="a14">
+            <mc:AlternateContent xmlns:mc="http://schemas.openxmlformats.org/markup-compatibility/2006" xmlns:a14="http://schemas.microsoft.com/office/drawing/2010/main">
+              <mc:Choice Requires="a14">
                 <p:sp>
                   <p:nvSpPr>
                     <p:cNvPr id="29" name="직사각형 28">
@@ -30574,7 +30574,7 @@
                   </p:txBody>
                 </p:sp>
               </mc:Choice>
-              <mc:Fallback>
+              <mc:Fallback xmlns="">
                 <p:sp>
                   <p:nvSpPr>
                     <p:cNvPr id="29" name="직사각형 28">
@@ -30622,8 +30622,8 @@
                 </p:sp>
               </mc:Fallback>
             </mc:AlternateContent>
-            <mc:AlternateContent xmlns:mc="http://schemas.openxmlformats.org/markup-compatibility/2006">
-              <mc:Choice xmlns:a14="http://schemas.microsoft.com/office/drawing/2010/main" Requires="a14">
+            <mc:AlternateContent xmlns:mc="http://schemas.openxmlformats.org/markup-compatibility/2006" xmlns:a14="http://schemas.microsoft.com/office/drawing/2010/main">
+              <mc:Choice Requires="a14">
                 <p:sp>
                   <p:nvSpPr>
                     <p:cNvPr id="31" name="타원 30">
@@ -30699,7 +30699,7 @@
                   </p:txBody>
                 </p:sp>
               </mc:Choice>
-              <mc:Fallback>
+              <mc:Fallback xmlns="">
                 <p:sp>
                   <p:nvSpPr>
                     <p:cNvPr id="31" name="타원 30">
@@ -30744,8 +30744,8 @@
                 </p:sp>
               </mc:Fallback>
             </mc:AlternateContent>
-            <mc:AlternateContent xmlns:mc="http://schemas.openxmlformats.org/markup-compatibility/2006">
-              <mc:Choice xmlns:a14="http://schemas.microsoft.com/office/drawing/2010/main" Requires="a14">
+            <mc:AlternateContent xmlns:mc="http://schemas.openxmlformats.org/markup-compatibility/2006" xmlns:a14="http://schemas.microsoft.com/office/drawing/2010/main">
+              <mc:Choice Requires="a14">
                 <p:sp>
                   <p:nvSpPr>
                     <p:cNvPr id="33" name="타원 32">
@@ -30821,7 +30821,7 @@
                   </p:txBody>
                 </p:sp>
               </mc:Choice>
-              <mc:Fallback>
+              <mc:Fallback xmlns="">
                 <p:sp>
                   <p:nvSpPr>
                     <p:cNvPr id="33" name="타원 32">
